--- a/Django_2/Django_2.pptx
+++ b/Django_2/Django_2.pptx
@@ -19,6 +19,8 @@
     <p:sldId id="269" r:id="rId13"/>
     <p:sldId id="270" r:id="rId14"/>
     <p:sldId id="272" r:id="rId15"/>
+    <p:sldId id="274" r:id="rId16"/>
+    <p:sldId id="273" r:id="rId17"/>
   </p:sldIdLst>
   <p:sldSz cx="12192000" cy="6858000"/>
   <p:notesSz cx="6858000" cy="9144000"/>
@@ -136,6 +138,8 @@
             <p14:sldId id="269"/>
             <p14:sldId id="270"/>
             <p14:sldId id="272"/>
+            <p14:sldId id="274"/>
+            <p14:sldId id="273"/>
           </p14:sldIdLst>
         </p14:section>
       </p14:sectionLst>
@@ -14610,17 +14614,8 @@
               <a:rPr lang="en-US" dirty="0">
                 <a:latin typeface="Comfortaa" panose="020F0603070000060003" pitchFamily="34" charset="0"/>
               </a:rPr>
-              <a:t>“recipient” – Foreign key to users, </a:t>
+              <a:t>“recipient” – Foreign key to users, defines recipient</a:t>
             </a:r>
-            <a:r>
-              <a:rPr lang="en-US">
-                <a:latin typeface="Comfortaa" panose="020F0603070000060003" pitchFamily="34" charset="0"/>
-              </a:rPr>
-              <a:t>defines recipient</a:t>
-            </a:r>
-            <a:endParaRPr lang="en-US" dirty="0">
-              <a:latin typeface="Comfortaa" panose="020F0603070000060003" pitchFamily="34" charset="0"/>
-            </a:endParaRPr>
           </a:p>
         </p:txBody>
       </p:sp>
@@ -14628,6 +14623,480 @@
     <p:extLst>
       <p:ext uri="{BB962C8B-B14F-4D97-AF65-F5344CB8AC3E}">
         <p14:creationId xmlns:p14="http://schemas.microsoft.com/office/powerpoint/2010/main" val="3459563858"/>
+      </p:ext>
+    </p:extLst>
+  </p:cSld>
+  <p:clrMapOvr>
+    <a:masterClrMapping/>
+  </p:clrMapOvr>
+</p:sld>
+</file>
+
+<file path=ppt/slides/slide15.xml><?xml version="1.0" encoding="utf-8"?>
+<p:sld xmlns:a="http://schemas.openxmlformats.org/drawingml/2006/main" xmlns:r="http://schemas.openxmlformats.org/officeDocument/2006/relationships" xmlns:p="http://schemas.openxmlformats.org/presentationml/2006/main">
+  <p:cSld>
+    <p:spTree>
+      <p:nvGrpSpPr>
+        <p:cNvPr id="1" name=""/>
+        <p:cNvGrpSpPr/>
+        <p:nvPr/>
+      </p:nvGrpSpPr>
+      <p:grpSpPr>
+        <a:xfrm>
+          <a:off x="0" y="0"/>
+          <a:ext cx="0" cy="0"/>
+          <a:chOff x="0" y="0"/>
+          <a:chExt cx="0" cy="0"/>
+        </a:xfrm>
+      </p:grpSpPr>
+      <p:sp>
+        <p:nvSpPr>
+          <p:cNvPr id="2" name="Title 1">
+            <a:extLst>
+              <a:ext uri="{FF2B5EF4-FFF2-40B4-BE49-F238E27FC236}">
+                <a16:creationId xmlns:a16="http://schemas.microsoft.com/office/drawing/2014/main" id="{AFDA0313-B363-4F7C-AA54-9354C175A11A}"/>
+              </a:ext>
+            </a:extLst>
+          </p:cNvPr>
+          <p:cNvSpPr>
+            <a:spLocks noGrp="1"/>
+          </p:cNvSpPr>
+          <p:nvPr>
+            <p:ph type="title"/>
+          </p:nvPr>
+        </p:nvSpPr>
+        <p:spPr/>
+        <p:txBody>
+          <a:bodyPr/>
+          <a:lstStyle/>
+          <a:p>
+            <a:r>
+              <a:rPr lang="en-US" dirty="0">
+                <a:latin typeface="Comfortaa" panose="020F0603070000060003" pitchFamily="34" charset="0"/>
+              </a:rPr>
+              <a:t>Databases in Django: Viewing Contents</a:t>
+            </a:r>
+          </a:p>
+        </p:txBody>
+      </p:sp>
+      <p:sp>
+        <p:nvSpPr>
+          <p:cNvPr id="5" name="Content Placeholder 2">
+            <a:extLst>
+              <a:ext uri="{FF2B5EF4-FFF2-40B4-BE49-F238E27FC236}">
+                <a16:creationId xmlns:a16="http://schemas.microsoft.com/office/drawing/2014/main" id="{30058968-68EB-4154-B005-3BF16192B1BB}"/>
+              </a:ext>
+            </a:extLst>
+          </p:cNvPr>
+          <p:cNvSpPr txBox="1">
+            <a:spLocks/>
+          </p:cNvSpPr>
+          <p:nvPr/>
+        </p:nvSpPr>
+        <p:spPr>
+          <a:xfrm>
+            <a:off x="838200" y="1825625"/>
+            <a:ext cx="10515600" cy="4351338"/>
+          </a:xfrm>
+          <a:prstGeom prst="rect">
+            <a:avLst/>
+          </a:prstGeom>
+        </p:spPr>
+        <p:txBody>
+          <a:bodyPr vert="horz" lIns="91440" tIns="45720" rIns="91440" bIns="45720" rtlCol="0">
+            <a:normAutofit/>
+          </a:bodyPr>
+          <a:lstStyle>
+            <a:lvl1pPr marL="228600" indent="-228600" algn="l" defTabSz="914400" rtl="0" eaLnBrk="1" latinLnBrk="0" hangingPunct="1">
+              <a:lnSpc>
+                <a:spcPct val="90000"/>
+              </a:lnSpc>
+              <a:spcBef>
+                <a:spcPts val="1000"/>
+              </a:spcBef>
+              <a:buFont typeface="Arial" panose="020B0604020202020204" pitchFamily="34" charset="0"/>
+              <a:buChar char="•"/>
+              <a:defRPr sz="2800" kern="1200">
+                <a:solidFill>
+                  <a:schemeClr val="tx1"/>
+                </a:solidFill>
+                <a:latin typeface="+mn-lt"/>
+                <a:ea typeface="+mn-ea"/>
+                <a:cs typeface="+mn-cs"/>
+              </a:defRPr>
+            </a:lvl1pPr>
+            <a:lvl2pPr marL="685800" indent="-228600" algn="l" defTabSz="914400" rtl="0" eaLnBrk="1" latinLnBrk="0" hangingPunct="1">
+              <a:lnSpc>
+                <a:spcPct val="90000"/>
+              </a:lnSpc>
+              <a:spcBef>
+                <a:spcPts val="500"/>
+              </a:spcBef>
+              <a:buFont typeface="Arial" panose="020B0604020202020204" pitchFamily="34" charset="0"/>
+              <a:buChar char="•"/>
+              <a:defRPr sz="2400" kern="1200">
+                <a:solidFill>
+                  <a:schemeClr val="tx1"/>
+                </a:solidFill>
+                <a:latin typeface="+mn-lt"/>
+                <a:ea typeface="+mn-ea"/>
+                <a:cs typeface="+mn-cs"/>
+              </a:defRPr>
+            </a:lvl2pPr>
+            <a:lvl3pPr marL="1143000" indent="-228600" algn="l" defTabSz="914400" rtl="0" eaLnBrk="1" latinLnBrk="0" hangingPunct="1">
+              <a:lnSpc>
+                <a:spcPct val="90000"/>
+              </a:lnSpc>
+              <a:spcBef>
+                <a:spcPts val="500"/>
+              </a:spcBef>
+              <a:buFont typeface="Arial" panose="020B0604020202020204" pitchFamily="34" charset="0"/>
+              <a:buChar char="•"/>
+              <a:defRPr sz="2000" kern="1200">
+                <a:solidFill>
+                  <a:schemeClr val="tx1"/>
+                </a:solidFill>
+                <a:latin typeface="+mn-lt"/>
+                <a:ea typeface="+mn-ea"/>
+                <a:cs typeface="+mn-cs"/>
+              </a:defRPr>
+            </a:lvl3pPr>
+            <a:lvl4pPr marL="1600200" indent="-228600" algn="l" defTabSz="914400" rtl="0" eaLnBrk="1" latinLnBrk="0" hangingPunct="1">
+              <a:lnSpc>
+                <a:spcPct val="90000"/>
+              </a:lnSpc>
+              <a:spcBef>
+                <a:spcPts val="500"/>
+              </a:spcBef>
+              <a:buFont typeface="Arial" panose="020B0604020202020204" pitchFamily="34" charset="0"/>
+              <a:buChar char="•"/>
+              <a:defRPr sz="1800" kern="1200">
+                <a:solidFill>
+                  <a:schemeClr val="tx1"/>
+                </a:solidFill>
+                <a:latin typeface="+mn-lt"/>
+                <a:ea typeface="+mn-ea"/>
+                <a:cs typeface="+mn-cs"/>
+              </a:defRPr>
+            </a:lvl4pPr>
+            <a:lvl5pPr marL="2057400" indent="-228600" algn="l" defTabSz="914400" rtl="0" eaLnBrk="1" latinLnBrk="0" hangingPunct="1">
+              <a:lnSpc>
+                <a:spcPct val="90000"/>
+              </a:lnSpc>
+              <a:spcBef>
+                <a:spcPts val="500"/>
+              </a:spcBef>
+              <a:buFont typeface="Arial" panose="020B0604020202020204" pitchFamily="34" charset="0"/>
+              <a:buChar char="•"/>
+              <a:defRPr sz="1800" kern="1200">
+                <a:solidFill>
+                  <a:schemeClr val="tx1"/>
+                </a:solidFill>
+                <a:latin typeface="+mn-lt"/>
+                <a:ea typeface="+mn-ea"/>
+                <a:cs typeface="+mn-cs"/>
+              </a:defRPr>
+            </a:lvl5pPr>
+            <a:lvl6pPr marL="2514600" indent="-228600" algn="l" defTabSz="914400" rtl="0" eaLnBrk="1" latinLnBrk="0" hangingPunct="1">
+              <a:lnSpc>
+                <a:spcPct val="90000"/>
+              </a:lnSpc>
+              <a:spcBef>
+                <a:spcPts val="500"/>
+              </a:spcBef>
+              <a:buFont typeface="Arial" panose="020B0604020202020204" pitchFamily="34" charset="0"/>
+              <a:buChar char="•"/>
+              <a:defRPr sz="1800" kern="1200">
+                <a:solidFill>
+                  <a:schemeClr val="tx1"/>
+                </a:solidFill>
+                <a:latin typeface="+mn-lt"/>
+                <a:ea typeface="+mn-ea"/>
+                <a:cs typeface="+mn-cs"/>
+              </a:defRPr>
+            </a:lvl6pPr>
+            <a:lvl7pPr marL="2971800" indent="-228600" algn="l" defTabSz="914400" rtl="0" eaLnBrk="1" latinLnBrk="0" hangingPunct="1">
+              <a:lnSpc>
+                <a:spcPct val="90000"/>
+              </a:lnSpc>
+              <a:spcBef>
+                <a:spcPts val="500"/>
+              </a:spcBef>
+              <a:buFont typeface="Arial" panose="020B0604020202020204" pitchFamily="34" charset="0"/>
+              <a:buChar char="•"/>
+              <a:defRPr sz="1800" kern="1200">
+                <a:solidFill>
+                  <a:schemeClr val="tx1"/>
+                </a:solidFill>
+                <a:latin typeface="+mn-lt"/>
+                <a:ea typeface="+mn-ea"/>
+                <a:cs typeface="+mn-cs"/>
+              </a:defRPr>
+            </a:lvl7pPr>
+            <a:lvl8pPr marL="3429000" indent="-228600" algn="l" defTabSz="914400" rtl="0" eaLnBrk="1" latinLnBrk="0" hangingPunct="1">
+              <a:lnSpc>
+                <a:spcPct val="90000"/>
+              </a:lnSpc>
+              <a:spcBef>
+                <a:spcPts val="500"/>
+              </a:spcBef>
+              <a:buFont typeface="Arial" panose="020B0604020202020204" pitchFamily="34" charset="0"/>
+              <a:buChar char="•"/>
+              <a:defRPr sz="1800" kern="1200">
+                <a:solidFill>
+                  <a:schemeClr val="tx1"/>
+                </a:solidFill>
+                <a:latin typeface="+mn-lt"/>
+                <a:ea typeface="+mn-ea"/>
+                <a:cs typeface="+mn-cs"/>
+              </a:defRPr>
+            </a:lvl8pPr>
+            <a:lvl9pPr marL="3886200" indent="-228600" algn="l" defTabSz="914400" rtl="0" eaLnBrk="1" latinLnBrk="0" hangingPunct="1">
+              <a:lnSpc>
+                <a:spcPct val="90000"/>
+              </a:lnSpc>
+              <a:spcBef>
+                <a:spcPts val="500"/>
+              </a:spcBef>
+              <a:buFont typeface="Arial" panose="020B0604020202020204" pitchFamily="34" charset="0"/>
+              <a:buChar char="•"/>
+              <a:defRPr sz="1800" kern="1200">
+                <a:solidFill>
+                  <a:schemeClr val="tx1"/>
+                </a:solidFill>
+                <a:latin typeface="+mn-lt"/>
+                <a:ea typeface="+mn-ea"/>
+                <a:cs typeface="+mn-cs"/>
+              </a:defRPr>
+            </a:lvl9pPr>
+          </a:lstStyle>
+          <a:p>
+            <a:r>
+              <a:rPr lang="en-US" dirty="0">
+                <a:latin typeface="Comfortaa" panose="020F0603070000060003" pitchFamily="34" charset="0"/>
+              </a:rPr>
+              <a:t>Navigate to localhost:8000/admin</a:t>
+            </a:r>
+          </a:p>
+          <a:p>
+            <a:r>
+              <a:rPr lang="en-US" dirty="0">
+                <a:latin typeface="Comfortaa" panose="020F0603070000060003" pitchFamily="34" charset="0"/>
+              </a:rPr>
+              <a:t>Allows you to manage the contents of your database</a:t>
+            </a:r>
+          </a:p>
+          <a:p>
+            <a:r>
+              <a:rPr lang="en-US" dirty="0">
+                <a:latin typeface="Comfortaa" panose="020F0603070000060003" pitchFamily="34" charset="0"/>
+              </a:rPr>
+              <a:t>Needs to be a “superuser” to access admin site</a:t>
+            </a:r>
+          </a:p>
+          <a:p>
+            <a:endParaRPr lang="en-US" dirty="0">
+              <a:latin typeface="Comfortaa" panose="020F0603070000060003" pitchFamily="34" charset="0"/>
+            </a:endParaRPr>
+          </a:p>
+        </p:txBody>
+      </p:sp>
+      <p:pic>
+        <p:nvPicPr>
+          <p:cNvPr id="7" name="Picture 6">
+            <a:extLst>
+              <a:ext uri="{FF2B5EF4-FFF2-40B4-BE49-F238E27FC236}">
+                <a16:creationId xmlns:a16="http://schemas.microsoft.com/office/drawing/2014/main" id="{961625B0-4003-4862-86C5-125F64034692}"/>
+              </a:ext>
+            </a:extLst>
+          </p:cNvPr>
+          <p:cNvPicPr>
+            <a:picLocks noChangeAspect="1"/>
+          </p:cNvPicPr>
+          <p:nvPr/>
+        </p:nvPicPr>
+        <p:blipFill rotWithShape="1">
+          <a:blip r:embed="rId2"/>
+          <a:srcRect l="1443" t="9524" r="55987" b="57551"/>
+          <a:stretch/>
+        </p:blipFill>
+        <p:spPr>
+          <a:xfrm>
+            <a:off x="6974632" y="3918954"/>
+            <a:ext cx="4379168" cy="2258009"/>
+          </a:xfrm>
+          <a:prstGeom prst="rect">
+            <a:avLst/>
+          </a:prstGeom>
+        </p:spPr>
+      </p:pic>
+    </p:spTree>
+    <p:extLst>
+      <p:ext uri="{BB962C8B-B14F-4D97-AF65-F5344CB8AC3E}">
+        <p14:creationId xmlns:p14="http://schemas.microsoft.com/office/powerpoint/2010/main" val="2351057519"/>
+      </p:ext>
+    </p:extLst>
+  </p:cSld>
+  <p:clrMapOvr>
+    <a:masterClrMapping/>
+  </p:clrMapOvr>
+</p:sld>
+</file>
+
+<file path=ppt/slides/slide16.xml><?xml version="1.0" encoding="utf-8"?>
+<p:sld xmlns:a="http://schemas.openxmlformats.org/drawingml/2006/main" xmlns:r="http://schemas.openxmlformats.org/officeDocument/2006/relationships" xmlns:p="http://schemas.openxmlformats.org/presentationml/2006/main">
+  <p:cSld>
+    <p:spTree>
+      <p:nvGrpSpPr>
+        <p:cNvPr id="1" name=""/>
+        <p:cNvGrpSpPr/>
+        <p:nvPr/>
+      </p:nvGrpSpPr>
+      <p:grpSpPr>
+        <a:xfrm>
+          <a:off x="0" y="0"/>
+          <a:ext cx="0" cy="0"/>
+          <a:chOff x="0" y="0"/>
+          <a:chExt cx="0" cy="0"/>
+        </a:xfrm>
+      </p:grpSpPr>
+      <p:sp>
+        <p:nvSpPr>
+          <p:cNvPr id="2" name="Title 1">
+            <a:extLst>
+              <a:ext uri="{FF2B5EF4-FFF2-40B4-BE49-F238E27FC236}">
+                <a16:creationId xmlns:a16="http://schemas.microsoft.com/office/drawing/2014/main" id="{8C6D7723-9AF2-4C3A-8E2A-2CFA9D20BE10}"/>
+              </a:ext>
+            </a:extLst>
+          </p:cNvPr>
+          <p:cNvSpPr>
+            <a:spLocks noGrp="1"/>
+          </p:cNvSpPr>
+          <p:nvPr>
+            <p:ph type="title"/>
+          </p:nvPr>
+        </p:nvSpPr>
+        <p:spPr/>
+        <p:txBody>
+          <a:bodyPr/>
+          <a:lstStyle/>
+          <a:p>
+            <a:r>
+              <a:rPr lang="en-US" dirty="0">
+                <a:latin typeface="Comfortaa" panose="020F0603070000060003" pitchFamily="34" charset="0"/>
+              </a:rPr>
+              <a:t>Databases in Django: Viewing Contents</a:t>
+            </a:r>
+            <a:endParaRPr lang="en-US" dirty="0"/>
+          </a:p>
+        </p:txBody>
+      </p:sp>
+      <p:sp>
+        <p:nvSpPr>
+          <p:cNvPr id="3" name="Content Placeholder 2">
+            <a:extLst>
+              <a:ext uri="{FF2B5EF4-FFF2-40B4-BE49-F238E27FC236}">
+                <a16:creationId xmlns:a16="http://schemas.microsoft.com/office/drawing/2014/main" id="{8BDD90A6-4C12-41F9-AD5D-2ED42D6DBA5B}"/>
+              </a:ext>
+            </a:extLst>
+          </p:cNvPr>
+          <p:cNvSpPr>
+            <a:spLocks noGrp="1"/>
+          </p:cNvSpPr>
+          <p:nvPr>
+            <p:ph idx="1"/>
+          </p:nvPr>
+        </p:nvSpPr>
+        <p:spPr/>
+        <p:txBody>
+          <a:bodyPr/>
+          <a:lstStyle/>
+          <a:p>
+            <a:r>
+              <a:rPr lang="en-US" dirty="0">
+                <a:latin typeface="Comfortaa" panose="020F0603070000060003" pitchFamily="34" charset="0"/>
+              </a:rPr>
+              <a:t>Only shows Users data, what about messages?</a:t>
+            </a:r>
+          </a:p>
+          <a:p>
+            <a:r>
+              <a:rPr lang="en-US" dirty="0">
+                <a:latin typeface="Comfortaa" panose="020F0603070000060003" pitchFamily="34" charset="0"/>
+              </a:rPr>
+              <a:t>Navigate to admin.py file and add messages model</a:t>
+            </a:r>
+          </a:p>
+          <a:p>
+            <a:r>
+              <a:rPr lang="en-US" dirty="0"/>
+              <a:t>Now re-navigate to /admin and messages should be there</a:t>
+            </a:r>
+          </a:p>
+        </p:txBody>
+      </p:sp>
+      <p:pic>
+        <p:nvPicPr>
+          <p:cNvPr id="4" name="Picture 3">
+            <a:extLst>
+              <a:ext uri="{FF2B5EF4-FFF2-40B4-BE49-F238E27FC236}">
+                <a16:creationId xmlns:a16="http://schemas.microsoft.com/office/drawing/2014/main" id="{E96CC494-C988-44A1-A0BF-23781F4A3C0A}"/>
+              </a:ext>
+            </a:extLst>
+          </p:cNvPr>
+          <p:cNvPicPr>
+            <a:picLocks noChangeAspect="1"/>
+          </p:cNvPicPr>
+          <p:nvPr/>
+        </p:nvPicPr>
+        <p:blipFill rotWithShape="1">
+          <a:blip r:embed="rId2"/>
+          <a:srcRect l="18556" t="15873" r="66327" b="76326"/>
+          <a:stretch/>
+        </p:blipFill>
+        <p:spPr>
+          <a:xfrm>
+            <a:off x="838200" y="4366725"/>
+            <a:ext cx="4701460" cy="1617308"/>
+          </a:xfrm>
+          <a:prstGeom prst="rect">
+            <a:avLst/>
+          </a:prstGeom>
+        </p:spPr>
+      </p:pic>
+      <p:pic>
+        <p:nvPicPr>
+          <p:cNvPr id="5" name="Picture 4">
+            <a:extLst>
+              <a:ext uri="{FF2B5EF4-FFF2-40B4-BE49-F238E27FC236}">
+                <a16:creationId xmlns:a16="http://schemas.microsoft.com/office/drawing/2014/main" id="{12E1C0BA-FBC0-4013-908A-12EF78A435E3}"/>
+              </a:ext>
+            </a:extLst>
+          </p:cNvPr>
+          <p:cNvPicPr>
+            <a:picLocks noChangeAspect="1"/>
+          </p:cNvPicPr>
+          <p:nvPr/>
+        </p:nvPicPr>
+        <p:blipFill rotWithShape="1">
+          <a:blip r:embed="rId3"/>
+          <a:srcRect l="1443" t="9887" r="55261" b="56099"/>
+          <a:stretch/>
+        </p:blipFill>
+        <p:spPr>
+          <a:xfrm>
+            <a:off x="6411686" y="3744685"/>
+            <a:ext cx="5463341" cy="2861388"/>
+          </a:xfrm>
+          <a:prstGeom prst="rect">
+            <a:avLst/>
+          </a:prstGeom>
+        </p:spPr>
+      </p:pic>
+    </p:spTree>
+    <p:extLst>
+      <p:ext uri="{BB962C8B-B14F-4D97-AF65-F5344CB8AC3E}">
+        <p14:creationId xmlns:p14="http://schemas.microsoft.com/office/powerpoint/2010/main" val="3297939701"/>
       </p:ext>
     </p:extLst>
   </p:cSld>
